--- a/events/2020-04-16/02-care.pptx
+++ b/events/2020-04-16/02-care.pptx
@@ -5,14 +5,17 @@
     <p:sldMasterId id="2147483660" r:id="rId1"/>
   </p:sldMasterIdLst>
   <p:notesMasterIdLst>
-    <p:notesMasterId r:id="rId7"/>
+    <p:notesMasterId r:id="rId10"/>
   </p:notesMasterIdLst>
   <p:sldIdLst>
     <p:sldId id="256" r:id="rId2"/>
-    <p:sldId id="369" r:id="rId3"/>
+    <p:sldId id="375" r:id="rId3"/>
     <p:sldId id="368" r:id="rId4"/>
-    <p:sldId id="370" r:id="rId5"/>
-    <p:sldId id="371" r:id="rId6"/>
+    <p:sldId id="372" r:id="rId5"/>
+    <p:sldId id="373" r:id="rId6"/>
+    <p:sldId id="370" r:id="rId7"/>
+    <p:sldId id="378" r:id="rId8"/>
+    <p:sldId id="376" r:id="rId9"/>
   </p:sldIdLst>
   <p:sldSz cx="9144000" cy="6858000" type="screen4x3"/>
   <p:notesSz cx="6858000" cy="9144000"/>
@@ -197,7 +200,7 @@
             <a:fld id="{35305EB0-020F-4995-961E-A35B2BB78D2B}" type="datetimeFigureOut">
               <a:rPr kumimoji="1" lang="ja-JP" altLang="en-US" smtClean="0"/>
               <a:pPr/>
-              <a:t>2020/4/13</a:t>
+              <a:t>2020/4/16</a:t>
             </a:fld>
             <a:endParaRPr kumimoji="1" lang="ja-JP" altLang="en-US"/>
           </a:p>
@@ -52233,7 +52236,7 @@
         </p:nvSpPr>
         <p:spPr>
           <a:xfrm>
-            <a:off x="-180528" y="2500306"/>
+            <a:off x="-72008" y="2500306"/>
             <a:ext cx="9324528" cy="1512888"/>
           </a:xfrm>
         </p:spPr>
@@ -52319,43 +52322,14 @@
         </p:nvSpPr>
         <p:spPr/>
         <p:txBody>
-          <a:bodyPr/>
+          <a:bodyPr>
+            <a:normAutofit/>
+          </a:bodyPr>
           <a:lstStyle/>
           <a:p>
             <a:r>
-              <a:rPr lang="ja-JP" altLang="en-US" dirty="0" smtClean="0"/>
-              <a:t>開いている窓口</a:t>
-            </a:r>
-            <a:endParaRPr kumimoji="1" lang="ja-JP" altLang="en-US" dirty="0"/>
-          </a:p>
-        </p:txBody>
-      </p:sp>
-      <p:sp>
-        <p:nvSpPr>
-          <p:cNvPr id="3" name="コンテンツ プレースホルダ 2"/>
-          <p:cNvSpPr>
-            <a:spLocks noGrp="1"/>
-          </p:cNvSpPr>
-          <p:nvPr>
-            <p:ph idx="1"/>
-          </p:nvPr>
-        </p:nvSpPr>
-        <p:spPr/>
-        <p:txBody>
-          <a:bodyPr/>
-          <a:lstStyle/>
-          <a:p>
-            <a:r>
-              <a:rPr lang="en-US" altLang="ja-JP" dirty="0" err="1" smtClean="0"/>
-              <a:t>u</a:t>
-            </a:r>
-            <a:r>
-              <a:rPr kumimoji="1" lang="en-US" altLang="ja-JP" dirty="0" err="1" smtClean="0"/>
-              <a:t>telecon</a:t>
-            </a:r>
-            <a:r>
-              <a:rPr kumimoji="1" lang="en-US" altLang="ja-JP" dirty="0" smtClean="0"/>
-              <a:t>-inquiries</a:t>
+              <a:rPr kumimoji="1" lang="ja-JP" altLang="en-US" dirty="0" smtClean="0"/>
+              <a:t>以下の通知に対応する説明です</a:t>
             </a:r>
             <a:endParaRPr kumimoji="1" lang="ja-JP" altLang="en-US" dirty="0"/>
           </a:p>
@@ -52431,6 +52405,30 @@
           </a:p>
         </p:txBody>
       </p:sp>
+      <p:pic>
+        <p:nvPicPr>
+          <p:cNvPr id="8" name="図 7" descr="care.png"/>
+          <p:cNvPicPr>
+            <a:picLocks noChangeAspect="1"/>
+          </p:cNvPicPr>
+          <p:nvPr/>
+        </p:nvPicPr>
+        <p:blipFill>
+          <a:blip r:embed="rId2" cstate="print"/>
+          <a:stretch>
+            <a:fillRect/>
+          </a:stretch>
+        </p:blipFill>
+        <p:spPr>
+          <a:xfrm>
+            <a:off x="2987824" y="1340768"/>
+            <a:ext cx="5400600" cy="5079695"/>
+          </a:xfrm>
+          <a:prstGeom prst="rect">
+            <a:avLst/>
+          </a:prstGeom>
+        </p:spPr>
+      </p:pic>
     </p:spTree>
   </p:cSld>
   <p:clrMapOvr>
@@ -52473,7 +52471,7 @@
           <a:p>
             <a:r>
               <a:rPr lang="ja-JP" altLang="en-US" dirty="0" smtClean="0"/>
-              <a:t>最近目に付く問い合わせ</a:t>
+              <a:t>最近増えている問い合わせ</a:t>
             </a:r>
             <a:endParaRPr kumimoji="1" lang="ja-JP" altLang="en-US" dirty="0"/>
           </a:p>
@@ -52491,49 +52489,117 @@
         </p:nvSpPr>
         <p:spPr/>
         <p:txBody>
-          <a:bodyPr/>
+          <a:bodyPr>
+            <a:normAutofit fontScale="92500"/>
+          </a:bodyPr>
           <a:lstStyle/>
           <a:p>
             <a:r>
-              <a:rPr kumimoji="1" lang="ja-JP" altLang="en-US" dirty="0" smtClean="0"/>
-              <a:t>教室に入れなかった</a:t>
+              <a:rPr lang="ja-JP" altLang="en-US" dirty="0" smtClean="0"/>
+              <a:t>〇〇先生の授業が明日だが</a:t>
             </a:r>
-            <a:endParaRPr kumimoji="1" lang="en-US" altLang="ja-JP" dirty="0" smtClean="0"/>
+            <a:r>
+              <a:rPr lang="en-US" altLang="ja-JP" dirty="0" smtClean="0">
+                <a:solidFill>
+                  <a:srgbClr val="FF0000"/>
+                </a:solidFill>
+              </a:rPr>
+              <a:t>UTAS</a:t>
+            </a:r>
+            <a:r>
+              <a:rPr lang="ja-JP" altLang="en-US" dirty="0" smtClean="0">
+                <a:solidFill>
+                  <a:srgbClr val="FF0000"/>
+                </a:solidFill>
+              </a:rPr>
+              <a:t>に</a:t>
+            </a:r>
+            <a:r>
+              <a:rPr lang="en-US" altLang="ja-JP" dirty="0" smtClean="0">
+                <a:solidFill>
+                  <a:srgbClr val="FF0000"/>
+                </a:solidFill>
+              </a:rPr>
+              <a:t>URL</a:t>
+            </a:r>
+            <a:r>
+              <a:rPr lang="ja-JP" altLang="en-US" dirty="0" smtClean="0">
+                <a:solidFill>
+                  <a:srgbClr val="FF0000"/>
+                </a:solidFill>
+              </a:rPr>
+              <a:t>が載っていない</a:t>
+            </a:r>
+            <a:endParaRPr kumimoji="1" lang="en-US" altLang="ja-JP" dirty="0" smtClean="0">
+              <a:solidFill>
+                <a:srgbClr val="FF0000"/>
+              </a:solidFill>
+            </a:endParaRPr>
           </a:p>
           <a:p>
-            <a:pPr lvl="1"/>
             <a:r>
-              <a:rPr lang="en-US" altLang="ja-JP" dirty="0" smtClean="0"/>
+              <a:rPr lang="ja-JP" altLang="en-US" dirty="0" smtClean="0"/>
+              <a:t>〇〇先生の授業に入ろうとしたら</a:t>
+            </a:r>
+            <a:r>
+              <a:rPr lang="ja-JP" altLang="en-US" dirty="0" smtClean="0">
+                <a:solidFill>
+                  <a:srgbClr val="FF0000"/>
+                </a:solidFill>
+              </a:rPr>
+              <a:t>「</a:t>
+            </a:r>
+            <a:r>
+              <a:rPr lang="en-US" altLang="ja-JP" dirty="0" smtClean="0">
+                <a:solidFill>
+                  <a:srgbClr val="FF0000"/>
+                </a:solidFill>
+              </a:rPr>
               <a:t>100</a:t>
             </a:r>
             <a:r>
+              <a:rPr lang="ja-JP" altLang="en-US" dirty="0" smtClean="0">
+                <a:solidFill>
+                  <a:srgbClr val="FF0000"/>
+                </a:solidFill>
+              </a:rPr>
+              <a:t>人以上は入れない」</a:t>
+            </a:r>
+            <a:r>
               <a:rPr lang="ja-JP" altLang="en-US" dirty="0" smtClean="0"/>
-              <a:t>人制限</a:t>
+              <a:t>と言われて入れなかった（何が起きているかは後の節で説明）</a:t>
             </a:r>
             <a:endParaRPr lang="en-US" altLang="ja-JP" dirty="0" smtClean="0"/>
           </a:p>
           <a:p>
-            <a:pPr lvl="1"/>
             <a:r>
               <a:rPr lang="ja-JP" altLang="en-US" dirty="0" smtClean="0"/>
-              <a:t>権限のある人しか入れない</a:t>
+              <a:t>〇〇先生の授業に入ろうとしたら</a:t>
+            </a:r>
+            <a:r>
+              <a:rPr lang="ja-JP" altLang="en-US" dirty="0" smtClean="0">
+                <a:solidFill>
+                  <a:srgbClr val="FF0000"/>
+                </a:solidFill>
+              </a:rPr>
+              <a:t>「権限のある人しか入れない」</a:t>
+            </a:r>
+            <a:r>
+              <a:rPr lang="ja-JP" altLang="en-US" dirty="0" smtClean="0"/>
+              <a:t>みたいなことを言われて入れなかった</a:t>
+            </a:r>
+            <a:r>
+              <a:rPr lang="ja-JP" altLang="en-US" sz="2600" dirty="0" smtClean="0"/>
+              <a:t>（何が起きているかは後の節で説明）</a:t>
             </a:r>
             <a:endParaRPr lang="en-US" altLang="ja-JP" dirty="0" smtClean="0"/>
           </a:p>
           <a:p>
-            <a:pPr lvl="1"/>
-            <a:r>
-              <a:rPr kumimoji="1" lang="ja-JP" altLang="en-US" dirty="0" smtClean="0"/>
-              <a:t>なぜそうなるかの理由は後述</a:t>
-            </a:r>
-            <a:endParaRPr kumimoji="1" lang="en-US" altLang="ja-JP" dirty="0" smtClean="0"/>
-          </a:p>
-          <a:p>
             <a:r>
               <a:rPr lang="ja-JP" altLang="en-US" dirty="0" smtClean="0"/>
-              <a:t>環境が整っていない</a:t>
+              <a:t>授業が本格化するにつれ増えると予想</a:t>
             </a:r>
-            <a:endParaRPr kumimoji="1" lang="ja-JP" altLang="en-US" dirty="0"/>
+            <a:endParaRPr lang="en-US" altLang="ja-JP" dirty="0" smtClean="0"/>
           </a:p>
         </p:txBody>
       </p:sp>
@@ -52644,12 +52710,14 @@
         </p:nvSpPr>
         <p:spPr/>
         <p:txBody>
-          <a:bodyPr/>
+          <a:bodyPr>
+            <a:normAutofit/>
+          </a:bodyPr>
           <a:lstStyle/>
           <a:p>
             <a:r>
               <a:rPr kumimoji="1" lang="ja-JP" altLang="en-US" dirty="0" smtClean="0"/>
-              <a:t>学科・専攻にお願い</a:t>
+              <a:t>それ以外の重要な問い合わせ</a:t>
             </a:r>
             <a:endParaRPr kumimoji="1" lang="ja-JP" altLang="en-US" dirty="0"/>
           </a:p>
@@ -52671,42 +52739,8 @@
           <a:lstStyle/>
           <a:p>
             <a:r>
-              <a:rPr lang="ja-JP" altLang="en-US" dirty="0" smtClean="0"/>
-              <a:t>担当教員を決める</a:t>
-            </a:r>
-            <a:endParaRPr lang="en-US" altLang="ja-JP" dirty="0" smtClean="0"/>
-          </a:p>
-          <a:p>
-            <a:r>
-              <a:rPr lang="en-US" altLang="ja-JP" dirty="0" smtClean="0"/>
-              <a:t>ML</a:t>
-            </a:r>
-            <a:r>
-              <a:rPr lang="ja-JP" altLang="en-US" dirty="0" smtClean="0"/>
-              <a:t>に入れる</a:t>
-            </a:r>
-            <a:endParaRPr lang="en-US" altLang="ja-JP" dirty="0" smtClean="0"/>
-          </a:p>
-          <a:p>
-            <a:r>
               <a:rPr kumimoji="1" lang="ja-JP" altLang="en-US" dirty="0" smtClean="0"/>
-              <a:t>学生の話を聞く</a:t>
-            </a:r>
-            <a:endParaRPr kumimoji="1" lang="en-US" altLang="ja-JP" dirty="0" smtClean="0"/>
-          </a:p>
-          <a:p>
-            <a:pPr lvl="1"/>
-            <a:r>
-              <a:rPr lang="ja-JP" altLang="en-US" dirty="0" smtClean="0"/>
-              <a:t>授業に入れなかった</a:t>
-            </a:r>
-            <a:endParaRPr lang="en-US" altLang="ja-JP" dirty="0" smtClean="0"/>
-          </a:p>
-          <a:p>
-            <a:pPr lvl="1"/>
-            <a:r>
-              <a:rPr kumimoji="1" lang="ja-JP" altLang="en-US" dirty="0" smtClean="0"/>
-              <a:t>環境がまだ整っていない</a:t>
+              <a:t>ネット環境が悪くてオンライン授業を受ける準備が整っていない</a:t>
             </a:r>
             <a:endParaRPr kumimoji="1" lang="ja-JP" altLang="en-US" dirty="0"/>
           </a:p>
@@ -52824,7 +52858,7 @@
           <a:p>
             <a:r>
               <a:rPr kumimoji="1" lang="ja-JP" altLang="en-US" dirty="0" smtClean="0"/>
-              <a:t>ネット環境サポート</a:t>
+              <a:t>作りたい連絡体制</a:t>
             </a:r>
             <a:endParaRPr kumimoji="1" lang="ja-JP" altLang="en-US" dirty="0"/>
           </a:p>
@@ -52846,56 +52880,42 @@
           <a:lstStyle/>
           <a:p>
             <a:r>
+              <a:rPr kumimoji="1" lang="ja-JP" altLang="en-US" dirty="0" smtClean="0"/>
+              <a:t>学生が直接学科・専攻に問い合わせをしているケースが多いとは思います</a:t>
+            </a:r>
+            <a:endParaRPr kumimoji="1" lang="en-US" altLang="ja-JP" dirty="0" smtClean="0"/>
+          </a:p>
+          <a:p>
+            <a:r>
               <a:rPr lang="ja-JP" altLang="en-US" dirty="0" smtClean="0"/>
-              <a:t>モバイル</a:t>
+              <a:t>が、それもわからないときに我々</a:t>
+            </a:r>
+            <a:r>
+              <a:rPr lang="en-US" altLang="ja-JP" dirty="0" smtClean="0"/>
+              <a:t>(</a:t>
             </a:r>
             <a:r>
               <a:rPr lang="en-US" altLang="ja-JP" dirty="0" err="1" smtClean="0"/>
-              <a:t>WiFi</a:t>
+              <a:t>utelecon</a:t>
             </a:r>
             <a:r>
               <a:rPr lang="ja-JP" altLang="en-US" dirty="0" smtClean="0"/>
-              <a:t>ルータ</a:t>
+              <a:t>ポータル</a:t>
             </a:r>
             <a:r>
               <a:rPr lang="en-US" altLang="ja-JP" dirty="0" smtClean="0"/>
-              <a:t>50GB/</a:t>
+              <a:t>)</a:t>
             </a:r>
             <a:r>
               <a:rPr lang="ja-JP" altLang="en-US" dirty="0" smtClean="0"/>
-              <a:t>月</a:t>
+              <a:t>に連絡が来ます</a:t>
             </a:r>
             <a:endParaRPr lang="en-US" altLang="ja-JP" dirty="0" smtClean="0"/>
           </a:p>
           <a:p>
-            <a:pPr lvl="1"/>
-            <a:r>
-              <a:rPr lang="ja-JP" altLang="en-US" dirty="0" smtClean="0"/>
-              <a:t>真に必要な人に対する利用申し込み</a:t>
-            </a:r>
-            <a:endParaRPr lang="en-US" altLang="ja-JP" dirty="0" smtClean="0"/>
-          </a:p>
-          <a:p>
-            <a:pPr lvl="1"/>
             <a:r>
               <a:rPr kumimoji="1" lang="ja-JP" altLang="en-US" dirty="0" smtClean="0"/>
-              <a:t>数</a:t>
-            </a:r>
-            <a:endParaRPr kumimoji="1" lang="en-US" altLang="ja-JP" dirty="0" smtClean="0"/>
-          </a:p>
-          <a:p>
-            <a:pPr lvl="1"/>
-            <a:r>
-              <a:rPr lang="ja-JP" altLang="en-US" dirty="0" smtClean="0"/>
-              <a:t>スケジュール：</a:t>
-            </a:r>
-            <a:r>
-              <a:rPr kumimoji="1" lang="en-US" altLang="ja-JP" dirty="0" smtClean="0"/>
-              <a:t>4</a:t>
-            </a:r>
-            <a:r>
-              <a:rPr kumimoji="1" lang="ja-JP" altLang="en-US" dirty="0" smtClean="0"/>
-              <a:t>月中に発送</a:t>
+              <a:t>そのような連絡のうち、学科・専攻に見ていただくのが適切なものを転送します</a:t>
             </a:r>
             <a:endParaRPr kumimoji="1" lang="ja-JP" altLang="en-US" dirty="0"/>
           </a:p>
@@ -52971,6 +52991,1139 @@
           </a:p>
         </p:txBody>
       </p:sp>
+      <p:sp>
+        <p:nvSpPr>
+          <p:cNvPr id="7" name="正方形/長方形 6"/>
+          <p:cNvSpPr/>
+          <p:nvPr/>
+        </p:nvSpPr>
+        <p:spPr>
+          <a:xfrm>
+            <a:off x="5580112" y="5301208"/>
+            <a:ext cx="1296144" cy="482352"/>
+          </a:xfrm>
+          <a:prstGeom prst="rect">
+            <a:avLst/>
+          </a:prstGeom>
+          <a:solidFill>
+            <a:schemeClr val="accent4">
+              <a:lumMod val="75000"/>
+            </a:schemeClr>
+          </a:solidFill>
+        </p:spPr>
+        <p:style>
+          <a:lnRef idx="2">
+            <a:schemeClr val="accent1">
+              <a:shade val="50000"/>
+            </a:schemeClr>
+          </a:lnRef>
+          <a:fillRef idx="1">
+            <a:schemeClr val="accent1"/>
+          </a:fillRef>
+          <a:effectRef idx="0">
+            <a:schemeClr val="accent1"/>
+          </a:effectRef>
+          <a:fontRef idx="minor">
+            <a:schemeClr val="lt1"/>
+          </a:fontRef>
+        </p:style>
+        <p:txBody>
+          <a:bodyPr rtlCol="0" anchor="ctr"/>
+          <a:lstStyle/>
+          <a:p>
+            <a:pPr algn="ctr"/>
+            <a:r>
+              <a:rPr kumimoji="1" lang="en-US" altLang="ja-JP" dirty="0" err="1" smtClean="0">
+                <a:solidFill>
+                  <a:schemeClr val="tx1"/>
+                </a:solidFill>
+              </a:rPr>
+              <a:t>utelecon</a:t>
+            </a:r>
+            <a:endParaRPr kumimoji="1" lang="ja-JP" altLang="en-US" dirty="0">
+              <a:solidFill>
+                <a:schemeClr val="tx1"/>
+              </a:solidFill>
+            </a:endParaRPr>
+          </a:p>
+        </p:txBody>
+      </p:sp>
+      <p:sp>
+        <p:nvSpPr>
+          <p:cNvPr id="8" name="正方形/長方形 7"/>
+          <p:cNvSpPr/>
+          <p:nvPr/>
+        </p:nvSpPr>
+        <p:spPr>
+          <a:xfrm>
+            <a:off x="1475656" y="4653136"/>
+            <a:ext cx="1296144" cy="288032"/>
+          </a:xfrm>
+          <a:prstGeom prst="rect">
+            <a:avLst/>
+          </a:prstGeom>
+          <a:solidFill>
+            <a:schemeClr val="bg1"/>
+          </a:solidFill>
+        </p:spPr>
+        <p:style>
+          <a:lnRef idx="2">
+            <a:schemeClr val="accent1">
+              <a:shade val="50000"/>
+            </a:schemeClr>
+          </a:lnRef>
+          <a:fillRef idx="1">
+            <a:schemeClr val="accent1"/>
+          </a:fillRef>
+          <a:effectRef idx="0">
+            <a:schemeClr val="accent1"/>
+          </a:effectRef>
+          <a:fontRef idx="minor">
+            <a:schemeClr val="lt1"/>
+          </a:fontRef>
+        </p:style>
+        <p:txBody>
+          <a:bodyPr rtlCol="0" anchor="ctr"/>
+          <a:lstStyle/>
+          <a:p>
+            <a:pPr algn="ctr"/>
+            <a:r>
+              <a:rPr lang="ja-JP" altLang="en-US" dirty="0" smtClean="0">
+                <a:solidFill>
+                  <a:schemeClr val="tx1"/>
+                </a:solidFill>
+              </a:rPr>
+              <a:t>〇〇学科</a:t>
+            </a:r>
+            <a:endParaRPr kumimoji="1" lang="ja-JP" altLang="en-US" dirty="0">
+              <a:solidFill>
+                <a:schemeClr val="tx1"/>
+              </a:solidFill>
+            </a:endParaRPr>
+          </a:p>
+        </p:txBody>
+      </p:sp>
+      <p:sp>
+        <p:nvSpPr>
+          <p:cNvPr id="10" name="正方形/長方形 9"/>
+          <p:cNvSpPr/>
+          <p:nvPr/>
+        </p:nvSpPr>
+        <p:spPr>
+          <a:xfrm>
+            <a:off x="1475656" y="5013176"/>
+            <a:ext cx="1296144" cy="288032"/>
+          </a:xfrm>
+          <a:prstGeom prst="rect">
+            <a:avLst/>
+          </a:prstGeom>
+          <a:solidFill>
+            <a:schemeClr val="bg1"/>
+          </a:solidFill>
+        </p:spPr>
+        <p:style>
+          <a:lnRef idx="2">
+            <a:schemeClr val="accent1">
+              <a:shade val="50000"/>
+            </a:schemeClr>
+          </a:lnRef>
+          <a:fillRef idx="1">
+            <a:schemeClr val="accent1"/>
+          </a:fillRef>
+          <a:effectRef idx="0">
+            <a:schemeClr val="accent1"/>
+          </a:effectRef>
+          <a:fontRef idx="minor">
+            <a:schemeClr val="lt1"/>
+          </a:fontRef>
+        </p:style>
+        <p:txBody>
+          <a:bodyPr rtlCol="0" anchor="ctr"/>
+          <a:lstStyle/>
+          <a:p>
+            <a:pPr algn="ctr"/>
+            <a:r>
+              <a:rPr lang="ja-JP" altLang="en-US" dirty="0" smtClean="0">
+                <a:solidFill>
+                  <a:schemeClr val="tx1"/>
+                </a:solidFill>
+              </a:rPr>
+              <a:t>〇〇専攻</a:t>
+            </a:r>
+            <a:endParaRPr kumimoji="1" lang="ja-JP" altLang="en-US" dirty="0">
+              <a:solidFill>
+                <a:schemeClr val="tx1"/>
+              </a:solidFill>
+            </a:endParaRPr>
+          </a:p>
+        </p:txBody>
+      </p:sp>
+      <p:sp>
+        <p:nvSpPr>
+          <p:cNvPr id="11" name="正方形/長方形 10"/>
+          <p:cNvSpPr/>
+          <p:nvPr/>
+        </p:nvSpPr>
+        <p:spPr>
+          <a:xfrm>
+            <a:off x="1475656" y="5373216"/>
+            <a:ext cx="1296144" cy="288032"/>
+          </a:xfrm>
+          <a:prstGeom prst="rect">
+            <a:avLst/>
+          </a:prstGeom>
+          <a:solidFill>
+            <a:schemeClr val="bg1"/>
+          </a:solidFill>
+        </p:spPr>
+        <p:style>
+          <a:lnRef idx="2">
+            <a:schemeClr val="accent1">
+              <a:shade val="50000"/>
+            </a:schemeClr>
+          </a:lnRef>
+          <a:fillRef idx="1">
+            <a:schemeClr val="accent1"/>
+          </a:fillRef>
+          <a:effectRef idx="0">
+            <a:schemeClr val="accent1"/>
+          </a:effectRef>
+          <a:fontRef idx="minor">
+            <a:schemeClr val="lt1"/>
+          </a:fontRef>
+        </p:style>
+        <p:txBody>
+          <a:bodyPr rtlCol="0" anchor="ctr"/>
+          <a:lstStyle/>
+          <a:p>
+            <a:pPr algn="ctr"/>
+            <a:r>
+              <a:rPr lang="ja-JP" altLang="en-US" dirty="0" smtClean="0">
+                <a:solidFill>
+                  <a:schemeClr val="tx1"/>
+                </a:solidFill>
+              </a:rPr>
+              <a:t>〇〇学科</a:t>
+            </a:r>
+            <a:endParaRPr kumimoji="1" lang="ja-JP" altLang="en-US" dirty="0">
+              <a:solidFill>
+                <a:schemeClr val="tx1"/>
+              </a:solidFill>
+            </a:endParaRPr>
+          </a:p>
+        </p:txBody>
+      </p:sp>
+      <p:sp>
+        <p:nvSpPr>
+          <p:cNvPr id="12" name="正方形/長方形 11"/>
+          <p:cNvSpPr/>
+          <p:nvPr/>
+        </p:nvSpPr>
+        <p:spPr>
+          <a:xfrm>
+            <a:off x="1475656" y="5733256"/>
+            <a:ext cx="1296144" cy="288032"/>
+          </a:xfrm>
+          <a:prstGeom prst="rect">
+            <a:avLst/>
+          </a:prstGeom>
+          <a:solidFill>
+            <a:schemeClr val="bg1"/>
+          </a:solidFill>
+        </p:spPr>
+        <p:style>
+          <a:lnRef idx="2">
+            <a:schemeClr val="accent1">
+              <a:shade val="50000"/>
+            </a:schemeClr>
+          </a:lnRef>
+          <a:fillRef idx="1">
+            <a:schemeClr val="accent1"/>
+          </a:fillRef>
+          <a:effectRef idx="0">
+            <a:schemeClr val="accent1"/>
+          </a:effectRef>
+          <a:fontRef idx="minor">
+            <a:schemeClr val="lt1"/>
+          </a:fontRef>
+        </p:style>
+        <p:txBody>
+          <a:bodyPr rtlCol="0" anchor="ctr"/>
+          <a:lstStyle/>
+          <a:p>
+            <a:pPr algn="ctr"/>
+            <a:r>
+              <a:rPr lang="ja-JP" altLang="en-US" dirty="0" smtClean="0">
+                <a:solidFill>
+                  <a:schemeClr val="tx1"/>
+                </a:solidFill>
+              </a:rPr>
+              <a:t>〇〇専攻</a:t>
+            </a:r>
+            <a:endParaRPr kumimoji="1" lang="ja-JP" altLang="en-US" dirty="0">
+              <a:solidFill>
+                <a:schemeClr val="tx1"/>
+              </a:solidFill>
+            </a:endParaRPr>
+          </a:p>
+        </p:txBody>
+      </p:sp>
+      <p:sp>
+        <p:nvSpPr>
+          <p:cNvPr id="13" name="正方形/長方形 12"/>
+          <p:cNvSpPr/>
+          <p:nvPr/>
+        </p:nvSpPr>
+        <p:spPr>
+          <a:xfrm>
+            <a:off x="1475656" y="6093296"/>
+            <a:ext cx="1296144" cy="288032"/>
+          </a:xfrm>
+          <a:prstGeom prst="rect">
+            <a:avLst/>
+          </a:prstGeom>
+          <a:solidFill>
+            <a:schemeClr val="bg1"/>
+          </a:solidFill>
+        </p:spPr>
+        <p:style>
+          <a:lnRef idx="2">
+            <a:schemeClr val="accent1">
+              <a:shade val="50000"/>
+            </a:schemeClr>
+          </a:lnRef>
+          <a:fillRef idx="1">
+            <a:schemeClr val="accent1"/>
+          </a:fillRef>
+          <a:effectRef idx="0">
+            <a:schemeClr val="accent1"/>
+          </a:effectRef>
+          <a:fontRef idx="minor">
+            <a:schemeClr val="lt1"/>
+          </a:fontRef>
+        </p:style>
+        <p:txBody>
+          <a:bodyPr rtlCol="0" anchor="ctr"/>
+          <a:lstStyle/>
+          <a:p>
+            <a:pPr algn="ctr"/>
+            <a:r>
+              <a:rPr kumimoji="1" lang="en-US" altLang="ja-JP" dirty="0" smtClean="0">
+                <a:solidFill>
+                  <a:schemeClr val="tx1"/>
+                </a:solidFill>
+              </a:rPr>
+              <a:t>…</a:t>
+            </a:r>
+            <a:endParaRPr kumimoji="1" lang="ja-JP" altLang="en-US" dirty="0">
+              <a:solidFill>
+                <a:schemeClr val="tx1"/>
+              </a:solidFill>
+            </a:endParaRPr>
+          </a:p>
+        </p:txBody>
+      </p:sp>
+      <p:cxnSp>
+        <p:nvCxnSpPr>
+          <p:cNvPr id="15" name="直線矢印コネクタ 14"/>
+          <p:cNvCxnSpPr>
+            <a:stCxn id="8" idx="3"/>
+            <a:endCxn id="7" idx="1"/>
+          </p:cNvCxnSpPr>
+          <p:nvPr/>
+        </p:nvCxnSpPr>
+        <p:spPr>
+          <a:xfrm>
+            <a:off x="2771800" y="4797152"/>
+            <a:ext cx="2808312" cy="745232"/>
+          </a:xfrm>
+          <a:prstGeom prst="straightConnector1">
+            <a:avLst/>
+          </a:prstGeom>
+          <a:ln>
+            <a:headEnd type="arrow"/>
+            <a:tailEnd type="none"/>
+          </a:ln>
+        </p:spPr>
+        <p:style>
+          <a:lnRef idx="1">
+            <a:schemeClr val="accent1"/>
+          </a:lnRef>
+          <a:fillRef idx="0">
+            <a:schemeClr val="accent1"/>
+          </a:fillRef>
+          <a:effectRef idx="0">
+            <a:schemeClr val="accent1"/>
+          </a:effectRef>
+          <a:fontRef idx="minor">
+            <a:schemeClr val="tx1"/>
+          </a:fontRef>
+        </p:style>
+      </p:cxnSp>
+      <p:cxnSp>
+        <p:nvCxnSpPr>
+          <p:cNvPr id="16" name="直線矢印コネクタ 15"/>
+          <p:cNvCxnSpPr>
+            <a:stCxn id="10" idx="3"/>
+            <a:endCxn id="7" idx="1"/>
+          </p:cNvCxnSpPr>
+          <p:nvPr/>
+        </p:nvCxnSpPr>
+        <p:spPr>
+          <a:xfrm>
+            <a:off x="2771800" y="5157192"/>
+            <a:ext cx="2808312" cy="385192"/>
+          </a:xfrm>
+          <a:prstGeom prst="straightConnector1">
+            <a:avLst/>
+          </a:prstGeom>
+          <a:ln>
+            <a:headEnd type="arrow"/>
+            <a:tailEnd type="arrow"/>
+          </a:ln>
+        </p:spPr>
+        <p:style>
+          <a:lnRef idx="1">
+            <a:schemeClr val="accent1"/>
+          </a:lnRef>
+          <a:fillRef idx="0">
+            <a:schemeClr val="accent1"/>
+          </a:fillRef>
+          <a:effectRef idx="0">
+            <a:schemeClr val="accent1"/>
+          </a:effectRef>
+          <a:fontRef idx="minor">
+            <a:schemeClr val="tx1"/>
+          </a:fontRef>
+        </p:style>
+      </p:cxnSp>
+      <p:cxnSp>
+        <p:nvCxnSpPr>
+          <p:cNvPr id="19" name="直線矢印コネクタ 18"/>
+          <p:cNvCxnSpPr>
+            <a:stCxn id="11" idx="3"/>
+            <a:endCxn id="7" idx="1"/>
+          </p:cNvCxnSpPr>
+          <p:nvPr/>
+        </p:nvCxnSpPr>
+        <p:spPr>
+          <a:xfrm>
+            <a:off x="2771800" y="5517232"/>
+            <a:ext cx="2808312" cy="25152"/>
+          </a:xfrm>
+          <a:prstGeom prst="straightConnector1">
+            <a:avLst/>
+          </a:prstGeom>
+          <a:ln>
+            <a:headEnd type="arrow"/>
+            <a:tailEnd type="arrow"/>
+          </a:ln>
+        </p:spPr>
+        <p:style>
+          <a:lnRef idx="1">
+            <a:schemeClr val="accent1"/>
+          </a:lnRef>
+          <a:fillRef idx="0">
+            <a:schemeClr val="accent1"/>
+          </a:fillRef>
+          <a:effectRef idx="0">
+            <a:schemeClr val="accent1"/>
+          </a:effectRef>
+          <a:fontRef idx="minor">
+            <a:schemeClr val="tx1"/>
+          </a:fontRef>
+        </p:style>
+      </p:cxnSp>
+      <p:cxnSp>
+        <p:nvCxnSpPr>
+          <p:cNvPr id="22" name="直線矢印コネクタ 21"/>
+          <p:cNvCxnSpPr>
+            <a:stCxn id="12" idx="3"/>
+            <a:endCxn id="7" idx="1"/>
+          </p:cNvCxnSpPr>
+          <p:nvPr/>
+        </p:nvCxnSpPr>
+        <p:spPr>
+          <a:xfrm flipV="1">
+            <a:off x="2771800" y="5542384"/>
+            <a:ext cx="2808312" cy="334888"/>
+          </a:xfrm>
+          <a:prstGeom prst="straightConnector1">
+            <a:avLst/>
+          </a:prstGeom>
+          <a:ln>
+            <a:headEnd type="arrow"/>
+            <a:tailEnd type="arrow"/>
+          </a:ln>
+        </p:spPr>
+        <p:style>
+          <a:lnRef idx="1">
+            <a:schemeClr val="accent1"/>
+          </a:lnRef>
+          <a:fillRef idx="0">
+            <a:schemeClr val="accent1"/>
+          </a:fillRef>
+          <a:effectRef idx="0">
+            <a:schemeClr val="accent1"/>
+          </a:effectRef>
+          <a:fontRef idx="minor">
+            <a:schemeClr val="tx1"/>
+          </a:fontRef>
+        </p:style>
+      </p:cxnSp>
+      <p:cxnSp>
+        <p:nvCxnSpPr>
+          <p:cNvPr id="25" name="直線矢印コネクタ 24"/>
+          <p:cNvCxnSpPr>
+            <a:stCxn id="13" idx="3"/>
+            <a:endCxn id="7" idx="1"/>
+          </p:cNvCxnSpPr>
+          <p:nvPr/>
+        </p:nvCxnSpPr>
+        <p:spPr>
+          <a:xfrm flipV="1">
+            <a:off x="2771800" y="5542384"/>
+            <a:ext cx="2808312" cy="694928"/>
+          </a:xfrm>
+          <a:prstGeom prst="straightConnector1">
+            <a:avLst/>
+          </a:prstGeom>
+          <a:ln>
+            <a:headEnd type="none"/>
+            <a:tailEnd type="arrow"/>
+          </a:ln>
+        </p:spPr>
+        <p:style>
+          <a:lnRef idx="1">
+            <a:schemeClr val="accent1"/>
+          </a:lnRef>
+          <a:fillRef idx="0">
+            <a:schemeClr val="accent1"/>
+          </a:fillRef>
+          <a:effectRef idx="0">
+            <a:schemeClr val="accent1"/>
+          </a:effectRef>
+          <a:fontRef idx="minor">
+            <a:schemeClr val="tx1"/>
+          </a:fontRef>
+        </p:style>
+      </p:cxnSp>
+      <p:sp>
+        <p:nvSpPr>
+          <p:cNvPr id="28" name="テキスト ボックス 27"/>
+          <p:cNvSpPr txBox="1"/>
+          <p:nvPr/>
+        </p:nvSpPr>
+        <p:spPr>
+          <a:xfrm>
+            <a:off x="2843808" y="4725144"/>
+            <a:ext cx="4801314" cy="369332"/>
+          </a:xfrm>
+          <a:prstGeom prst="rect">
+            <a:avLst/>
+          </a:prstGeom>
+          <a:noFill/>
+        </p:spPr>
+        <p:txBody>
+          <a:bodyPr wrap="none" rtlCol="0">
+            <a:spAutoFit/>
+          </a:bodyPr>
+          <a:lstStyle/>
+          <a:p>
+            <a:r>
+              <a:rPr lang="ja-JP" altLang="en-US" dirty="0" smtClean="0"/>
+              <a:t>〇〇学科〇〇先生の授業が受けられなかった</a:t>
+            </a:r>
+            <a:endParaRPr kumimoji="1" lang="ja-JP" altLang="en-US" dirty="0"/>
+          </a:p>
+        </p:txBody>
+      </p:sp>
+      <p:sp>
+        <p:nvSpPr>
+          <p:cNvPr id="34" name="テキスト ボックス 33"/>
+          <p:cNvSpPr txBox="1"/>
+          <p:nvPr/>
+        </p:nvSpPr>
+        <p:spPr>
+          <a:xfrm>
+            <a:off x="3563888" y="5877272"/>
+            <a:ext cx="3744936" cy="369332"/>
+          </a:xfrm>
+          <a:prstGeom prst="rect">
+            <a:avLst/>
+          </a:prstGeom>
+          <a:noFill/>
+        </p:spPr>
+        <p:txBody>
+          <a:bodyPr wrap="none" rtlCol="0">
+            <a:spAutoFit/>
+          </a:bodyPr>
+          <a:lstStyle/>
+          <a:p>
+            <a:r>
+              <a:rPr kumimoji="1" lang="en-US" altLang="ja-JP" dirty="0" smtClean="0"/>
+              <a:t>Zoom</a:t>
+            </a:r>
+            <a:r>
+              <a:rPr kumimoji="1" lang="ja-JP" altLang="en-US" dirty="0" smtClean="0"/>
+              <a:t>の〇〇機能がよくわからない</a:t>
+            </a:r>
+            <a:endParaRPr kumimoji="1" lang="ja-JP" altLang="en-US" dirty="0"/>
+          </a:p>
+        </p:txBody>
+      </p:sp>
+    </p:spTree>
+  </p:cSld>
+  <p:clrMapOvr>
+    <a:masterClrMapping/>
+  </p:clrMapOvr>
+</p:sld>
+</file>
+
+<file path=ppt/slides/slide6.xml><?xml version="1.0" encoding="utf-8"?>
+<p:sld xmlns:a="http://schemas.openxmlformats.org/drawingml/2006/main" xmlns:r="http://schemas.openxmlformats.org/officeDocument/2006/relationships" xmlns:p="http://schemas.openxmlformats.org/presentationml/2006/main">
+  <p:cSld>
+    <p:spTree>
+      <p:nvGrpSpPr>
+        <p:cNvPr id="1" name=""/>
+        <p:cNvGrpSpPr/>
+        <p:nvPr/>
+      </p:nvGrpSpPr>
+      <p:grpSpPr>
+        <a:xfrm>
+          <a:off x="0" y="0"/>
+          <a:ext cx="0" cy="0"/>
+          <a:chOff x="0" y="0"/>
+          <a:chExt cx="0" cy="0"/>
+        </a:xfrm>
+      </p:grpSpPr>
+      <p:sp>
+        <p:nvSpPr>
+          <p:cNvPr id="2" name="タイトル 1"/>
+          <p:cNvSpPr>
+            <a:spLocks noGrp="1"/>
+          </p:cNvSpPr>
+          <p:nvPr>
+            <p:ph type="title"/>
+          </p:nvPr>
+        </p:nvSpPr>
+        <p:spPr/>
+        <p:txBody>
+          <a:bodyPr/>
+          <a:lstStyle/>
+          <a:p>
+            <a:r>
+              <a:rPr kumimoji="1" lang="ja-JP" altLang="en-US" dirty="0" smtClean="0"/>
+              <a:t>学科・専攻にお願い</a:t>
+            </a:r>
+            <a:endParaRPr kumimoji="1" lang="ja-JP" altLang="en-US" dirty="0"/>
+          </a:p>
+        </p:txBody>
+      </p:sp>
+      <p:sp>
+        <p:nvSpPr>
+          <p:cNvPr id="3" name="コンテンツ プレースホルダ 2"/>
+          <p:cNvSpPr>
+            <a:spLocks noGrp="1"/>
+          </p:cNvSpPr>
+          <p:nvPr>
+            <p:ph idx="1"/>
+          </p:nvPr>
+        </p:nvSpPr>
+        <p:spPr/>
+        <p:txBody>
+          <a:bodyPr>
+            <a:normAutofit lnSpcReduction="10000"/>
+          </a:bodyPr>
+          <a:lstStyle/>
+          <a:p>
+            <a:r>
+              <a:rPr lang="ja-JP" altLang="en-US" dirty="0" smtClean="0"/>
+              <a:t>担当を決める</a:t>
+            </a:r>
+            <a:endParaRPr lang="en-US" altLang="ja-JP" dirty="0" smtClean="0"/>
+          </a:p>
+          <a:p>
+            <a:pPr lvl="1"/>
+            <a:r>
+              <a:rPr lang="ja-JP" altLang="en-US" dirty="0" smtClean="0"/>
+              <a:t>学科・専攻から教員</a:t>
+            </a:r>
+            <a:r>
+              <a:rPr lang="en-US" altLang="ja-JP" dirty="0" smtClean="0"/>
+              <a:t>1</a:t>
+            </a:r>
+            <a:r>
+              <a:rPr lang="ja-JP" altLang="en-US" dirty="0" smtClean="0"/>
+              <a:t>以上</a:t>
+            </a:r>
+            <a:endParaRPr lang="en-US" altLang="ja-JP" dirty="0" smtClean="0"/>
+          </a:p>
+          <a:p>
+            <a:pPr lvl="1"/>
+            <a:r>
+              <a:rPr lang="en-US" altLang="ja-JP" dirty="0" smtClean="0"/>
+              <a:t>+ </a:t>
+            </a:r>
+            <a:r>
+              <a:rPr lang="ja-JP" altLang="en-US" dirty="0" smtClean="0"/>
+              <a:t>追加の教員または職員</a:t>
+            </a:r>
+            <a:endParaRPr lang="en-US" altLang="ja-JP" dirty="0" smtClean="0"/>
+          </a:p>
+          <a:p>
+            <a:r>
+              <a:rPr lang="ja-JP" altLang="en-US" dirty="0" smtClean="0"/>
+              <a:t>学生ケア 学科・専攻 担当登録フォーム</a:t>
+            </a:r>
+            <a:r>
+              <a:rPr lang="en-US" altLang="ja-JP" dirty="0" smtClean="0">
+                <a:hlinkClick r:id="rId2"/>
+              </a:rPr>
+              <a:t>https://utelecon.github.io/forms/takecarestudents</a:t>
+            </a:r>
+            <a:r>
+              <a:rPr lang="ja-JP" altLang="en-US" dirty="0" smtClean="0"/>
+              <a:t> から登録お願いします</a:t>
+            </a:r>
+            <a:endParaRPr lang="en-US" altLang="ja-JP" dirty="0" smtClean="0"/>
+          </a:p>
+          <a:p>
+            <a:r>
+              <a:rPr lang="ja-JP" altLang="en-US" dirty="0" smtClean="0"/>
+              <a:t>同じ人が複数（例えば〇〇学科と〇〇専攻）を担当する場合、恐れ入りますがそれぞれ登録お願いします</a:t>
+            </a:r>
+            <a:r>
+              <a:rPr lang="en-US" altLang="ja-JP" dirty="0" smtClean="0"/>
+              <a:t>m(_ _)m</a:t>
+            </a:r>
+          </a:p>
+        </p:txBody>
+      </p:sp>
+      <p:sp>
+        <p:nvSpPr>
+          <p:cNvPr id="4" name="日付プレースホルダ 3"/>
+          <p:cNvSpPr>
+            <a:spLocks noGrp="1"/>
+          </p:cNvSpPr>
+          <p:nvPr>
+            <p:ph type="dt" sz="half" idx="10"/>
+          </p:nvPr>
+        </p:nvSpPr>
+        <p:spPr/>
+        <p:txBody>
+          <a:bodyPr/>
+          <a:lstStyle/>
+          <a:p>
+            <a:r>
+              <a:rPr kumimoji="1" lang="en-US" altLang="ja-JP" smtClean="0"/>
+              <a:t>2020/4/16</a:t>
+            </a:r>
+            <a:endParaRPr kumimoji="1" lang="ja-JP" altLang="en-US"/>
+          </a:p>
+        </p:txBody>
+      </p:sp>
+      <p:sp>
+        <p:nvSpPr>
+          <p:cNvPr id="5" name="フッター プレースホルダ 4"/>
+          <p:cNvSpPr>
+            <a:spLocks noGrp="1"/>
+          </p:cNvSpPr>
+          <p:nvPr>
+            <p:ph type="ftr" sz="quarter" idx="11"/>
+          </p:nvPr>
+        </p:nvSpPr>
+        <p:spPr/>
+        <p:txBody>
+          <a:bodyPr/>
+          <a:lstStyle/>
+          <a:p>
+            <a:r>
+              <a:rPr kumimoji="1" lang="en-US" altLang="ja-JP" smtClean="0"/>
+              <a:t>utelecon.github.io</a:t>
+            </a:r>
+            <a:endParaRPr kumimoji="1" lang="ja-JP" altLang="en-US"/>
+          </a:p>
+        </p:txBody>
+      </p:sp>
+      <p:sp>
+        <p:nvSpPr>
+          <p:cNvPr id="6" name="スライド番号プレースホルダ 5"/>
+          <p:cNvSpPr>
+            <a:spLocks noGrp="1"/>
+          </p:cNvSpPr>
+          <p:nvPr>
+            <p:ph type="sldNum" sz="quarter" idx="12"/>
+          </p:nvPr>
+        </p:nvSpPr>
+        <p:spPr/>
+        <p:txBody>
+          <a:bodyPr/>
+          <a:lstStyle/>
+          <a:p>
+            <a:fld id="{EDF77D8D-9987-453A-9A05-EB91CA595C68}" type="slidenum">
+              <a:rPr kumimoji="1" lang="ja-JP" altLang="en-US" smtClean="0"/>
+              <a:pPr/>
+              <a:t>6</a:t>
+            </a:fld>
+            <a:endParaRPr kumimoji="1" lang="ja-JP" altLang="en-US"/>
+          </a:p>
+        </p:txBody>
+      </p:sp>
+    </p:spTree>
+  </p:cSld>
+  <p:clrMapOvr>
+    <a:masterClrMapping/>
+  </p:clrMapOvr>
+</p:sld>
+</file>
+
+<file path=ppt/slides/slide7.xml><?xml version="1.0" encoding="utf-8"?>
+<p:sld xmlns:a="http://schemas.openxmlformats.org/drawingml/2006/main" xmlns:r="http://schemas.openxmlformats.org/officeDocument/2006/relationships" xmlns:p="http://schemas.openxmlformats.org/presentationml/2006/main">
+  <p:cSld>
+    <p:spTree>
+      <p:nvGrpSpPr>
+        <p:cNvPr id="1" name=""/>
+        <p:cNvGrpSpPr/>
+        <p:nvPr/>
+      </p:nvGrpSpPr>
+      <p:grpSpPr>
+        <a:xfrm>
+          <a:off x="0" y="0"/>
+          <a:ext cx="0" cy="0"/>
+          <a:chOff x="0" y="0"/>
+          <a:chExt cx="0" cy="0"/>
+        </a:xfrm>
+      </p:grpSpPr>
+      <p:sp>
+        <p:nvSpPr>
+          <p:cNvPr id="2" name="タイトル 1"/>
+          <p:cNvSpPr>
+            <a:spLocks noGrp="1"/>
+          </p:cNvSpPr>
+          <p:nvPr>
+            <p:ph type="title"/>
+          </p:nvPr>
+        </p:nvSpPr>
+        <p:spPr/>
+        <p:txBody>
+          <a:bodyPr/>
+          <a:lstStyle/>
+          <a:p>
+            <a:r>
+              <a:rPr lang="ja-JP" altLang="en-US" dirty="0" smtClean="0"/>
+              <a:t>登録</a:t>
+            </a:r>
+            <a:r>
+              <a:rPr kumimoji="1" lang="ja-JP" altLang="en-US" dirty="0" smtClean="0"/>
+              <a:t>すると</a:t>
+            </a:r>
+            <a:endParaRPr kumimoji="1" lang="ja-JP" altLang="en-US" dirty="0"/>
+          </a:p>
+        </p:txBody>
+      </p:sp>
+      <p:sp>
+        <p:nvSpPr>
+          <p:cNvPr id="3" name="コンテンツ プレースホルダ 2"/>
+          <p:cNvSpPr>
+            <a:spLocks noGrp="1"/>
+          </p:cNvSpPr>
+          <p:nvPr>
+            <p:ph idx="1"/>
+          </p:nvPr>
+        </p:nvSpPr>
+        <p:spPr/>
+        <p:txBody>
+          <a:bodyPr/>
+          <a:lstStyle/>
+          <a:p>
+            <a:r>
+              <a:rPr kumimoji="1" lang="ja-JP" altLang="en-US" dirty="0" smtClean="0"/>
+              <a:t>メーリングリスト </a:t>
+            </a:r>
+            <a:r>
+              <a:rPr kumimoji="1" lang="en-US" altLang="ja-JP" dirty="0" smtClean="0"/>
+              <a:t>(</a:t>
+            </a:r>
+            <a:r>
+              <a:rPr kumimoji="1" lang="en-US" altLang="ja-JP" dirty="0" err="1" smtClean="0">
+                <a:solidFill>
+                  <a:srgbClr val="0070C0"/>
+                </a:solidFill>
+              </a:rPr>
+              <a:t>utelecon-tcs</a:t>
+            </a:r>
+            <a:r>
+              <a:rPr kumimoji="1" lang="en-US" altLang="ja-JP" dirty="0" smtClean="0">
+                <a:solidFill>
+                  <a:srgbClr val="0070C0"/>
+                </a:solidFill>
+              </a:rPr>
+              <a:t>@...</a:t>
+            </a:r>
+            <a:r>
+              <a:rPr kumimoji="1" lang="en-US" altLang="ja-JP" dirty="0" smtClean="0"/>
+              <a:t> </a:t>
+            </a:r>
+            <a:r>
+              <a:rPr kumimoji="1" lang="ja-JP" altLang="en-US" dirty="0" smtClean="0"/>
+              <a:t>を予定</a:t>
+            </a:r>
+            <a:r>
+              <a:rPr kumimoji="1" lang="en-US" altLang="ja-JP" dirty="0" smtClean="0"/>
+              <a:t>)</a:t>
+            </a:r>
+            <a:r>
+              <a:rPr kumimoji="1" lang="ja-JP" altLang="en-US" dirty="0" err="1" smtClean="0"/>
+              <a:t>に登</a:t>
+            </a:r>
+            <a:r>
+              <a:rPr kumimoji="1" lang="ja-JP" altLang="en-US" dirty="0" smtClean="0"/>
+              <a:t>録されます</a:t>
+            </a:r>
+            <a:endParaRPr kumimoji="1" lang="en-US" altLang="ja-JP" dirty="0" smtClean="0"/>
+          </a:p>
+          <a:p>
+            <a:r>
+              <a:rPr lang="ja-JP" altLang="en-US" dirty="0" smtClean="0"/>
+              <a:t>専攻・学科への転送がふさわしい連絡・問い合わせ・陳情</a:t>
+            </a:r>
+            <a:r>
+              <a:rPr lang="en-US" altLang="ja-JP" dirty="0" smtClean="0"/>
+              <a:t>… </a:t>
+            </a:r>
+            <a:r>
+              <a:rPr lang="ja-JP" altLang="en-US" dirty="0" smtClean="0"/>
+              <a:t>を転送します</a:t>
+            </a:r>
+            <a:endParaRPr lang="en-US" altLang="ja-JP" dirty="0" smtClean="0"/>
+          </a:p>
+          <a:p>
+            <a:r>
+              <a:rPr kumimoji="1" lang="ja-JP" altLang="en-US" dirty="0" smtClean="0"/>
+              <a:t>個々の専攻・学科への振り分けは行いません</a:t>
+            </a:r>
+            <a:r>
+              <a:rPr lang="ja-JP" altLang="en-US" dirty="0" smtClean="0"/>
+              <a:t>がご容赦ください（非常に件数が増えた場合には再考いたします）</a:t>
+            </a:r>
+            <a:endParaRPr kumimoji="1" lang="en-US" altLang="ja-JP" dirty="0" smtClean="0"/>
+          </a:p>
+        </p:txBody>
+      </p:sp>
+      <p:sp>
+        <p:nvSpPr>
+          <p:cNvPr id="4" name="日付プレースホルダ 3"/>
+          <p:cNvSpPr>
+            <a:spLocks noGrp="1"/>
+          </p:cNvSpPr>
+          <p:nvPr>
+            <p:ph type="dt" sz="half" idx="10"/>
+          </p:nvPr>
+        </p:nvSpPr>
+        <p:spPr/>
+        <p:txBody>
+          <a:bodyPr/>
+          <a:lstStyle/>
+          <a:p>
+            <a:r>
+              <a:rPr kumimoji="1" lang="en-US" altLang="ja-JP" smtClean="0"/>
+              <a:t>2020/4/16</a:t>
+            </a:r>
+            <a:endParaRPr kumimoji="1" lang="ja-JP" altLang="en-US"/>
+          </a:p>
+        </p:txBody>
+      </p:sp>
+      <p:sp>
+        <p:nvSpPr>
+          <p:cNvPr id="5" name="フッター プレースホルダ 4"/>
+          <p:cNvSpPr>
+            <a:spLocks noGrp="1"/>
+          </p:cNvSpPr>
+          <p:nvPr>
+            <p:ph type="ftr" sz="quarter" idx="11"/>
+          </p:nvPr>
+        </p:nvSpPr>
+        <p:spPr/>
+        <p:txBody>
+          <a:bodyPr/>
+          <a:lstStyle/>
+          <a:p>
+            <a:r>
+              <a:rPr kumimoji="1" lang="en-US" altLang="ja-JP" smtClean="0"/>
+              <a:t>utelecon.github.io</a:t>
+            </a:r>
+            <a:endParaRPr kumimoji="1" lang="ja-JP" altLang="en-US"/>
+          </a:p>
+        </p:txBody>
+      </p:sp>
+      <p:sp>
+        <p:nvSpPr>
+          <p:cNvPr id="6" name="スライド番号プレースホルダ 5"/>
+          <p:cNvSpPr>
+            <a:spLocks noGrp="1"/>
+          </p:cNvSpPr>
+          <p:nvPr>
+            <p:ph type="sldNum" sz="quarter" idx="12"/>
+          </p:nvPr>
+        </p:nvSpPr>
+        <p:spPr/>
+        <p:txBody>
+          <a:bodyPr/>
+          <a:lstStyle/>
+          <a:p>
+            <a:fld id="{EDF77D8D-9987-453A-9A05-EB91CA595C68}" type="slidenum">
+              <a:rPr kumimoji="1" lang="ja-JP" altLang="en-US" smtClean="0"/>
+              <a:pPr/>
+              <a:t>7</a:t>
+            </a:fld>
+            <a:endParaRPr kumimoji="1" lang="ja-JP" altLang="en-US"/>
+          </a:p>
+        </p:txBody>
+      </p:sp>
+    </p:spTree>
+  </p:cSld>
+  <p:clrMapOvr>
+    <a:masterClrMapping/>
+  </p:clrMapOvr>
+</p:sld>
+</file>
+
+<file path=ppt/slides/slide8.xml><?xml version="1.0" encoding="utf-8"?>
+<p:sld xmlns:a="http://schemas.openxmlformats.org/drawingml/2006/main" xmlns:r="http://schemas.openxmlformats.org/officeDocument/2006/relationships" xmlns:p="http://schemas.openxmlformats.org/presentationml/2006/main">
+  <p:cSld>
+    <p:spTree>
+      <p:nvGrpSpPr>
+        <p:cNvPr id="1" name=""/>
+        <p:cNvGrpSpPr/>
+        <p:nvPr/>
+      </p:nvGrpSpPr>
+      <p:grpSpPr>
+        <a:xfrm>
+          <a:off x="0" y="0"/>
+          <a:ext cx="0" cy="0"/>
+          <a:chOff x="0" y="0"/>
+          <a:chExt cx="0" cy="0"/>
+        </a:xfrm>
+      </p:grpSpPr>
+      <p:sp>
+        <p:nvSpPr>
+          <p:cNvPr id="2" name="タイトル 1"/>
+          <p:cNvSpPr>
+            <a:spLocks noGrp="1"/>
+          </p:cNvSpPr>
+          <p:nvPr>
+            <p:ph type="title"/>
+          </p:nvPr>
+        </p:nvSpPr>
+        <p:spPr/>
+        <p:txBody>
+          <a:bodyPr/>
+          <a:lstStyle/>
+          <a:p>
+            <a:r>
+              <a:rPr kumimoji="1" lang="ja-JP" altLang="en-US" dirty="0" smtClean="0"/>
+              <a:t>学生用トラブル報告フォーム</a:t>
+            </a:r>
+            <a:endParaRPr kumimoji="1" lang="ja-JP" altLang="en-US" dirty="0"/>
+          </a:p>
+        </p:txBody>
+      </p:sp>
+      <p:sp>
+        <p:nvSpPr>
+          <p:cNvPr id="3" name="コンテンツ プレースホルダ 2"/>
+          <p:cNvSpPr>
+            <a:spLocks noGrp="1"/>
+          </p:cNvSpPr>
+          <p:nvPr>
+            <p:ph idx="1"/>
+          </p:nvPr>
+        </p:nvSpPr>
+        <p:spPr/>
+        <p:txBody>
+          <a:bodyPr/>
+          <a:lstStyle/>
+          <a:p>
+            <a:r>
+              <a:rPr lang="en-US" altLang="ja-JP" dirty="0" smtClean="0">
+                <a:hlinkClick r:id="rId2"/>
+              </a:rPr>
+              <a:t>https://utelecon.github.io/forms/et</a:t>
+            </a:r>
+            <a:endParaRPr lang="en-US" altLang="ja-JP" dirty="0" smtClean="0"/>
+          </a:p>
+        </p:txBody>
+      </p:sp>
+      <p:sp>
+        <p:nvSpPr>
+          <p:cNvPr id="4" name="日付プレースホルダ 3"/>
+          <p:cNvSpPr>
+            <a:spLocks noGrp="1"/>
+          </p:cNvSpPr>
+          <p:nvPr>
+            <p:ph type="dt" sz="half" idx="10"/>
+          </p:nvPr>
+        </p:nvSpPr>
+        <p:spPr/>
+        <p:txBody>
+          <a:bodyPr/>
+          <a:lstStyle/>
+          <a:p>
+            <a:r>
+              <a:rPr kumimoji="1" lang="en-US" altLang="ja-JP" smtClean="0"/>
+              <a:t>2020/4/16</a:t>
+            </a:r>
+            <a:endParaRPr kumimoji="1" lang="ja-JP" altLang="en-US"/>
+          </a:p>
+        </p:txBody>
+      </p:sp>
+      <p:sp>
+        <p:nvSpPr>
+          <p:cNvPr id="5" name="フッター プレースホルダ 4"/>
+          <p:cNvSpPr>
+            <a:spLocks noGrp="1"/>
+          </p:cNvSpPr>
+          <p:nvPr>
+            <p:ph type="ftr" sz="quarter" idx="11"/>
+          </p:nvPr>
+        </p:nvSpPr>
+        <p:spPr/>
+        <p:txBody>
+          <a:bodyPr/>
+          <a:lstStyle/>
+          <a:p>
+            <a:r>
+              <a:rPr kumimoji="1" lang="en-US" altLang="ja-JP" smtClean="0"/>
+              <a:t>utelecon.github.io</a:t>
+            </a:r>
+            <a:endParaRPr kumimoji="1" lang="ja-JP" altLang="en-US"/>
+          </a:p>
+        </p:txBody>
+      </p:sp>
+      <p:sp>
+        <p:nvSpPr>
+          <p:cNvPr id="6" name="スライド番号プレースホルダ 5"/>
+          <p:cNvSpPr>
+            <a:spLocks noGrp="1"/>
+          </p:cNvSpPr>
+          <p:nvPr>
+            <p:ph type="sldNum" sz="quarter" idx="12"/>
+          </p:nvPr>
+        </p:nvSpPr>
+        <p:spPr/>
+        <p:txBody>
+          <a:bodyPr/>
+          <a:lstStyle/>
+          <a:p>
+            <a:fld id="{EDF77D8D-9987-453A-9A05-EB91CA595C68}" type="slidenum">
+              <a:rPr kumimoji="1" lang="ja-JP" altLang="en-US" smtClean="0"/>
+              <a:pPr/>
+              <a:t>8</a:t>
+            </a:fld>
+            <a:endParaRPr kumimoji="1" lang="ja-JP" altLang="en-US"/>
+          </a:p>
+        </p:txBody>
+      </p:sp>
     </p:spTree>
   </p:cSld>
   <p:clrMapOvr>
@@ -52982,7 +54135,7 @@
 <file path=ppt/theme/theme1.xml><?xml version="1.0" encoding="utf-8"?>
 <a:theme xmlns:a="http://schemas.openxmlformats.org/drawingml/2006/main" name="雪藤">
   <a:themeElements>
-    <a:clrScheme name="雪藤">
+    <a:clrScheme name="アース">
       <a:dk1>
         <a:sysClr val="windowText" lastClr="000000"/>
       </a:dk1>
@@ -52990,34 +54143,34 @@
         <a:sysClr val="window" lastClr="FFFFFF"/>
       </a:lt1>
       <a:dk2>
-        <a:srgbClr val="000049"/>
+        <a:srgbClr val="464653"/>
       </a:dk2>
       <a:lt2>
-        <a:srgbClr val="E3E8FF"/>
+        <a:srgbClr val="DDE9EC"/>
       </a:lt2>
       <a:accent1>
-        <a:srgbClr val="947098"/>
+        <a:srgbClr val="727CA3"/>
       </a:accent1>
       <a:accent2>
-        <a:srgbClr val="809E90"/>
+        <a:srgbClr val="9FB8CD"/>
       </a:accent2>
       <a:accent3>
-        <a:srgbClr val="7574AC"/>
+        <a:srgbClr val="D2DA7A"/>
       </a:accent3>
       <a:accent4>
-        <a:srgbClr val="A4715D"/>
+        <a:srgbClr val="FADA7A"/>
       </a:accent4>
       <a:accent5>
-        <a:srgbClr val="9E9E78"/>
+        <a:srgbClr val="B88472"/>
       </a:accent5>
       <a:accent6>
-        <a:srgbClr val="6079A4"/>
+        <a:srgbClr val="8E736A"/>
       </a:accent6>
       <a:hlink>
-        <a:srgbClr val="0000FF"/>
+        <a:srgbClr val="B292CA"/>
       </a:hlink>
       <a:folHlink>
-        <a:srgbClr val="800080"/>
+        <a:srgbClr val="6B5680"/>
       </a:folHlink>
     </a:clrScheme>
     <a:fontScheme name="ユーザー定義 1">
